--- a/words.pptx
+++ b/words.pptx
@@ -7,6 +7,10 @@
   <p:sldIdLst>
     <p:sldId id="257" r:id="rId2"/>
     <p:sldId id="258" r:id="rId3"/>
+    <p:sldId id="259" r:id="rId4"/>
+    <p:sldId id="260" r:id="rId5"/>
+    <p:sldId id="261" r:id="rId6"/>
+    <p:sldId id="262" r:id="rId7"/>
   </p:sldIdLst>
   <p:sldSz cx="12192000" cy="6858000"/>
   <p:notesSz cx="6858000" cy="9144000"/>
@@ -846,38 +850,38 @@
           <a:p>
             <a:pPr lvl="0"/>
             <a:r>
-              <a:rPr lang="en-US"/>
+              <a:rPr lang="en-US" dirty="0"/>
               <a:t>Click to edit Master text styles</a:t>
             </a:r>
           </a:p>
           <a:p>
             <a:pPr lvl="1"/>
             <a:r>
-              <a:rPr lang="en-US"/>
+              <a:rPr lang="en-US" dirty="0"/>
               <a:t>Second level</a:t>
             </a:r>
           </a:p>
           <a:p>
             <a:pPr lvl="2"/>
             <a:r>
-              <a:rPr lang="en-US"/>
+              <a:rPr lang="en-US" dirty="0"/>
               <a:t>Third level</a:t>
             </a:r>
           </a:p>
           <a:p>
             <a:pPr lvl="3"/>
             <a:r>
-              <a:rPr lang="en-US"/>
+              <a:rPr lang="en-US" dirty="0"/>
               <a:t>Fourth level</a:t>
             </a:r>
           </a:p>
           <a:p>
             <a:pPr lvl="4"/>
             <a:r>
-              <a:rPr lang="en-US"/>
+              <a:rPr lang="en-US" dirty="0"/>
               <a:t>Fifth level</a:t>
             </a:r>
-            <a:endParaRPr lang="hu-HU"/>
+            <a:endParaRPr lang="hu-HU" dirty="0"/>
           </a:p>
         </p:txBody>
       </p:sp>
@@ -974,6 +978,22 @@
   <p:clrMapOvr>
     <a:masterClrMapping/>
   </p:clrMapOvr>
+  <p:extLst>
+    <p:ext uri="{DCECCB84-F9BA-43D5-87BE-67443E8EF086}">
+      <p15:sldGuideLst xmlns:p15="http://schemas.microsoft.com/office/powerpoint/2012/main">
+        <p15:guide id="1" orient="horz" pos="2160" userDrawn="1">
+          <p15:clr>
+            <a:srgbClr val="FBAE40"/>
+          </p15:clr>
+        </p15:guide>
+        <p15:guide id="2" pos="3840" userDrawn="1">
+          <p15:clr>
+            <a:srgbClr val="FBAE40"/>
+          </p15:clr>
+        </p15:guide>
+      </p15:sldGuideLst>
+    </p:ext>
+  </p:extLst>
 </p:sldLayout>
 </file>
 
@@ -3412,7 +3432,7 @@
               <a:buNone/>
             </a:pPr>
             <a:r>
-              <a:rPr lang="hu-HU" sz="6000" dirty="0"/>
+              <a:rPr lang="hu-HU" sz="6600" dirty="0"/>
               <a:t>szakács</a:t>
             </a:r>
           </a:p>
@@ -3486,7 +3506,7 @@
               <a:buNone/>
             </a:pPr>
             <a:r>
-              <a:rPr lang="hu-HU" sz="6000" dirty="0"/>
+              <a:rPr lang="hu-HU" sz="6600" dirty="0"/>
               <a:t>dolgozó</a:t>
             </a:r>
           </a:p>
@@ -3496,6 +3516,307 @@
     <p:extLst>
       <p:ext uri="{BB962C8B-B14F-4D97-AF65-F5344CB8AC3E}">
         <p14:creationId xmlns:p14="http://schemas.microsoft.com/office/powerpoint/2010/main" val="3264141227"/>
+      </p:ext>
+    </p:extLst>
+  </p:cSld>
+  <p:clrMapOvr>
+    <a:masterClrMapping/>
+  </p:clrMapOvr>
+</p:sld>
+</file>
+
+<file path=ppt/slides/slide3.xml><?xml version="1.0" encoding="utf-8"?>
+<p:sld xmlns:a="http://schemas.openxmlformats.org/drawingml/2006/main" xmlns:r="http://schemas.openxmlformats.org/officeDocument/2006/relationships" xmlns:p="http://schemas.openxmlformats.org/presentationml/2006/main">
+  <p:cSld>
+    <p:spTree>
+      <p:nvGrpSpPr>
+        <p:cNvPr id="1" name="">
+          <a:extLst>
+            <a:ext uri="{FF2B5EF4-FFF2-40B4-BE49-F238E27FC236}">
+              <a16:creationId xmlns:a16="http://schemas.microsoft.com/office/drawing/2014/main" id="{D0077B62-1B09-99FF-774E-C88E6D79D021}"/>
+            </a:ext>
+          </a:extLst>
+        </p:cNvPr>
+        <p:cNvGrpSpPr/>
+        <p:nvPr/>
+      </p:nvGrpSpPr>
+      <p:grpSpPr>
+        <a:xfrm>
+          <a:off x="0" y="0"/>
+          <a:ext cx="0" cy="0"/>
+          <a:chOff x="0" y="0"/>
+          <a:chExt cx="0" cy="0"/>
+        </a:xfrm>
+      </p:grpSpPr>
+      <p:sp>
+        <p:nvSpPr>
+          <p:cNvPr id="3" name="Content Placeholder 2">
+            <a:extLst>
+              <a:ext uri="{FF2B5EF4-FFF2-40B4-BE49-F238E27FC236}">
+                <a16:creationId xmlns:a16="http://schemas.microsoft.com/office/drawing/2014/main" id="{6E3A3820-2F20-8375-5916-8659F36FC106}"/>
+              </a:ext>
+            </a:extLst>
+          </p:cNvPr>
+          <p:cNvSpPr>
+            <a:spLocks noGrp="1"/>
+          </p:cNvSpPr>
+          <p:nvPr>
+            <p:ph idx="1"/>
+          </p:nvPr>
+        </p:nvSpPr>
+        <p:spPr>
+          <a:xfrm>
+            <a:off x="1068512" y="544530"/>
+            <a:ext cx="10068675" cy="5763803"/>
+          </a:xfrm>
+        </p:spPr>
+        <p:txBody>
+          <a:bodyPr anchor="ctr">
+            <a:normAutofit/>
+          </a:bodyPr>
+          <a:lstStyle/>
+          <a:p>
+            <a:pPr marL="0" indent="0" algn="ctr">
+              <a:buNone/>
+            </a:pPr>
+            <a:r>
+              <a:rPr lang="en-US" sz="6600" dirty="0" err="1"/>
+              <a:t>programo</a:t>
+            </a:r>
+            <a:r>
+              <a:rPr lang="hu-HU" sz="6600" dirty="0" err="1"/>
+              <a:t>zó</a:t>
+            </a:r>
+            <a:endParaRPr lang="hu-HU" sz="6600" dirty="0"/>
+          </a:p>
+        </p:txBody>
+      </p:sp>
+    </p:spTree>
+    <p:extLst>
+      <p:ext uri="{BB962C8B-B14F-4D97-AF65-F5344CB8AC3E}">
+        <p14:creationId xmlns:p14="http://schemas.microsoft.com/office/powerpoint/2010/main" val="1317960912"/>
+      </p:ext>
+    </p:extLst>
+  </p:cSld>
+  <p:clrMapOvr>
+    <a:masterClrMapping/>
+  </p:clrMapOvr>
+</p:sld>
+</file>
+
+<file path=ppt/slides/slide4.xml><?xml version="1.0" encoding="utf-8"?>
+<p:sld xmlns:a="http://schemas.openxmlformats.org/drawingml/2006/main" xmlns:r="http://schemas.openxmlformats.org/officeDocument/2006/relationships" xmlns:p="http://schemas.openxmlformats.org/presentationml/2006/main">
+  <p:cSld>
+    <p:spTree>
+      <p:nvGrpSpPr>
+        <p:cNvPr id="1" name="">
+          <a:extLst>
+            <a:ext uri="{FF2B5EF4-FFF2-40B4-BE49-F238E27FC236}">
+              <a16:creationId xmlns:a16="http://schemas.microsoft.com/office/drawing/2014/main" id="{08EC652E-8249-5E36-40B1-3A675301B358}"/>
+            </a:ext>
+          </a:extLst>
+        </p:cNvPr>
+        <p:cNvGrpSpPr/>
+        <p:nvPr/>
+      </p:nvGrpSpPr>
+      <p:grpSpPr>
+        <a:xfrm>
+          <a:off x="0" y="0"/>
+          <a:ext cx="0" cy="0"/>
+          <a:chOff x="0" y="0"/>
+          <a:chExt cx="0" cy="0"/>
+        </a:xfrm>
+      </p:grpSpPr>
+      <p:sp>
+        <p:nvSpPr>
+          <p:cNvPr id="3" name="Content Placeholder 2">
+            <a:extLst>
+              <a:ext uri="{FF2B5EF4-FFF2-40B4-BE49-F238E27FC236}">
+                <a16:creationId xmlns:a16="http://schemas.microsoft.com/office/drawing/2014/main" id="{A2AFA7D8-6244-A153-CAFB-ABBE0397C997}"/>
+              </a:ext>
+            </a:extLst>
+          </p:cNvPr>
+          <p:cNvSpPr>
+            <a:spLocks noGrp="1"/>
+          </p:cNvSpPr>
+          <p:nvPr>
+            <p:ph idx="1"/>
+          </p:nvPr>
+        </p:nvSpPr>
+        <p:spPr>
+          <a:xfrm>
+            <a:off x="1068512" y="544530"/>
+            <a:ext cx="10068675" cy="5763803"/>
+          </a:xfrm>
+        </p:spPr>
+        <p:txBody>
+          <a:bodyPr anchor="ctr">
+            <a:normAutofit/>
+          </a:bodyPr>
+          <a:lstStyle/>
+          <a:p>
+            <a:pPr marL="0" indent="0" algn="ctr">
+              <a:buNone/>
+            </a:pPr>
+            <a:r>
+              <a:rPr lang="hu-HU" sz="6600" dirty="0"/>
+              <a:t>borbély</a:t>
+            </a:r>
+          </a:p>
+        </p:txBody>
+      </p:sp>
+    </p:spTree>
+    <p:extLst>
+      <p:ext uri="{BB962C8B-B14F-4D97-AF65-F5344CB8AC3E}">
+        <p14:creationId xmlns:p14="http://schemas.microsoft.com/office/powerpoint/2010/main" val="14283690"/>
+      </p:ext>
+    </p:extLst>
+  </p:cSld>
+  <p:clrMapOvr>
+    <a:masterClrMapping/>
+  </p:clrMapOvr>
+</p:sld>
+</file>
+
+<file path=ppt/slides/slide5.xml><?xml version="1.0" encoding="utf-8"?>
+<p:sld xmlns:a="http://schemas.openxmlformats.org/drawingml/2006/main" xmlns:r="http://schemas.openxmlformats.org/officeDocument/2006/relationships" xmlns:p="http://schemas.openxmlformats.org/presentationml/2006/main">
+  <p:cSld>
+    <p:spTree>
+      <p:nvGrpSpPr>
+        <p:cNvPr id="1" name="">
+          <a:extLst>
+            <a:ext uri="{FF2B5EF4-FFF2-40B4-BE49-F238E27FC236}">
+              <a16:creationId xmlns:a16="http://schemas.microsoft.com/office/drawing/2014/main" id="{3B04FB25-7442-5E23-3709-468293F99AC9}"/>
+            </a:ext>
+          </a:extLst>
+        </p:cNvPr>
+        <p:cNvGrpSpPr/>
+        <p:nvPr/>
+      </p:nvGrpSpPr>
+      <p:grpSpPr>
+        <a:xfrm>
+          <a:off x="0" y="0"/>
+          <a:ext cx="0" cy="0"/>
+          <a:chOff x="0" y="0"/>
+          <a:chExt cx="0" cy="0"/>
+        </a:xfrm>
+      </p:grpSpPr>
+      <p:sp>
+        <p:nvSpPr>
+          <p:cNvPr id="3" name="Content Placeholder 2">
+            <a:extLst>
+              <a:ext uri="{FF2B5EF4-FFF2-40B4-BE49-F238E27FC236}">
+                <a16:creationId xmlns:a16="http://schemas.microsoft.com/office/drawing/2014/main" id="{EF951AA7-61C8-376D-977C-4C79290D0CF8}"/>
+              </a:ext>
+            </a:extLst>
+          </p:cNvPr>
+          <p:cNvSpPr>
+            <a:spLocks noGrp="1"/>
+          </p:cNvSpPr>
+          <p:nvPr>
+            <p:ph idx="1"/>
+          </p:nvPr>
+        </p:nvSpPr>
+        <p:spPr>
+          <a:xfrm>
+            <a:off x="1068512" y="544530"/>
+            <a:ext cx="10068675" cy="5763803"/>
+          </a:xfrm>
+        </p:spPr>
+        <p:txBody>
+          <a:bodyPr anchor="ctr">
+            <a:normAutofit/>
+          </a:bodyPr>
+          <a:lstStyle/>
+          <a:p>
+            <a:pPr marL="0" indent="0" algn="ctr">
+              <a:buNone/>
+            </a:pPr>
+            <a:r>
+              <a:rPr lang="hu-HU" sz="6600" dirty="0"/>
+              <a:t>tűzoltó</a:t>
+            </a:r>
+          </a:p>
+        </p:txBody>
+      </p:sp>
+    </p:spTree>
+    <p:extLst>
+      <p:ext uri="{BB962C8B-B14F-4D97-AF65-F5344CB8AC3E}">
+        <p14:creationId xmlns:p14="http://schemas.microsoft.com/office/powerpoint/2010/main" val="893843029"/>
+      </p:ext>
+    </p:extLst>
+  </p:cSld>
+  <p:clrMapOvr>
+    <a:masterClrMapping/>
+  </p:clrMapOvr>
+</p:sld>
+</file>
+
+<file path=ppt/slides/slide6.xml><?xml version="1.0" encoding="utf-8"?>
+<p:sld xmlns:a="http://schemas.openxmlformats.org/drawingml/2006/main" xmlns:r="http://schemas.openxmlformats.org/officeDocument/2006/relationships" xmlns:p="http://schemas.openxmlformats.org/presentationml/2006/main">
+  <p:cSld>
+    <p:spTree>
+      <p:nvGrpSpPr>
+        <p:cNvPr id="1" name="">
+          <a:extLst>
+            <a:ext uri="{FF2B5EF4-FFF2-40B4-BE49-F238E27FC236}">
+              <a16:creationId xmlns:a16="http://schemas.microsoft.com/office/drawing/2014/main" id="{8C9D5726-0A51-41F2-D662-FC5562C3951F}"/>
+            </a:ext>
+          </a:extLst>
+        </p:cNvPr>
+        <p:cNvGrpSpPr/>
+        <p:nvPr/>
+      </p:nvGrpSpPr>
+      <p:grpSpPr>
+        <a:xfrm>
+          <a:off x="0" y="0"/>
+          <a:ext cx="0" cy="0"/>
+          <a:chOff x="0" y="0"/>
+          <a:chExt cx="0" cy="0"/>
+        </a:xfrm>
+      </p:grpSpPr>
+      <p:sp>
+        <p:nvSpPr>
+          <p:cNvPr id="3" name="Content Placeholder 2">
+            <a:extLst>
+              <a:ext uri="{FF2B5EF4-FFF2-40B4-BE49-F238E27FC236}">
+                <a16:creationId xmlns:a16="http://schemas.microsoft.com/office/drawing/2014/main" id="{179B23F2-9CD4-4F1B-A403-713CF0D01311}"/>
+              </a:ext>
+            </a:extLst>
+          </p:cNvPr>
+          <p:cNvSpPr>
+            <a:spLocks noGrp="1"/>
+          </p:cNvSpPr>
+          <p:nvPr>
+            <p:ph idx="1"/>
+          </p:nvPr>
+        </p:nvSpPr>
+        <p:spPr>
+          <a:xfrm>
+            <a:off x="1068512" y="544530"/>
+            <a:ext cx="10068675" cy="5763803"/>
+          </a:xfrm>
+        </p:spPr>
+        <p:txBody>
+          <a:bodyPr anchor="ctr">
+            <a:normAutofit/>
+          </a:bodyPr>
+          <a:lstStyle/>
+          <a:p>
+            <a:pPr marL="0" indent="0" algn="ctr">
+              <a:buNone/>
+            </a:pPr>
+            <a:r>
+              <a:rPr lang="hu-HU" sz="6600" dirty="0"/>
+              <a:t>orvos</a:t>
+            </a:r>
+          </a:p>
+        </p:txBody>
+      </p:sp>
+    </p:spTree>
+    <p:extLst>
+      <p:ext uri="{BB962C8B-B14F-4D97-AF65-F5344CB8AC3E}">
+        <p14:creationId xmlns:p14="http://schemas.microsoft.com/office/powerpoint/2010/main" val="2606549005"/>
       </p:ext>
     </p:extLst>
   </p:cSld>
